--- a/Slides/2025/spec-edu-wg/2025-8-NorthAmerica-Europe.pptx
+++ b/Slides/2025/spec-edu-wg/2025-8-NorthAmerica-Europe.pptx
@@ -6149,9 +6149,12 @@
               <a:rPr lang="en-US" dirty="0"/>
             </a:br>
             <a:r>
-              <a:rPr lang="en-US" i="1" dirty="0"/>
-              <a:t>(link pending)</a:t>
+              <a:rPr lang="en-US" i="1" dirty="0">
+                <a:hlinkClick r:id="rId4"/>
+              </a:rPr>
+              <a:t>https://lists.openchainproject.org/g/education/topic/sample_policy_training_matrix/114662906</a:t>
             </a:r>
+            <a:endParaRPr lang="en-US" i="1" dirty="0"/>
           </a:p>
           <a:p>
             <a:r>
@@ -6169,7 +6172,7 @@
             </a:br>
             <a:r>
               <a:rPr lang="en-US" sz="1400" dirty="0">
-                <a:hlinkClick r:id="rId4"/>
+                <a:hlinkClick r:id="rId5"/>
               </a:rPr>
               <a:t>https://github.com/OpenChain-Project/Reference-Material/issues/103</a:t>
             </a:r>
@@ -6196,7 +6199,7 @@
           <p:nvPr/>
         </p:nvPicPr>
         <p:blipFill>
-          <a:blip r:embed="rId5"/>
+          <a:blip r:embed="rId6"/>
           <a:srcRect/>
           <a:stretch/>
         </p:blipFill>
